--- a/ゲーム制作課題「Breaking_UP」/仕様書/プレイヤーとゲームルール.pptx
+++ b/ゲーム制作課題「Breaking_UP」/仕様書/プレイヤーとゲームルール.pptx
@@ -105,6 +105,11 @@
       </a:defRPr>
     </a:lvl9pPr>
   </p:defaultTextStyle>
+  <p:extLst>
+    <p:ext uri="{EFAFB233-063F-42B5-8137-9DF3F51BA10A}">
+      <p15:sldGuideLst xmlns:p15="http://schemas.microsoft.com/office/powerpoint/2012/main"/>
+    </p:ext>
+  </p:extLst>
 </p:presentation>
 </file>
 
@@ -255,7 +260,7 @@
           <a:p>
             <a:fld id="{2EA69235-AFEE-412A-91EE-3C7814E4DF4F}" type="datetimeFigureOut">
               <a:rPr kumimoji="1" lang="ja-JP" altLang="en-US" smtClean="0"/>
-              <a:t>2026/2/4</a:t>
+              <a:t>2026/2/13</a:t>
             </a:fld>
             <a:endParaRPr kumimoji="1" lang="ja-JP" altLang="en-US"/>
           </a:p>
@@ -485,7 +490,7 @@
           <a:p>
             <a:fld id="{2EA69235-AFEE-412A-91EE-3C7814E4DF4F}" type="datetimeFigureOut">
               <a:rPr kumimoji="1" lang="ja-JP" altLang="en-US" smtClean="0"/>
-              <a:t>2026/2/4</a:t>
+              <a:t>2026/2/13</a:t>
             </a:fld>
             <a:endParaRPr kumimoji="1" lang="ja-JP" altLang="en-US"/>
           </a:p>
@@ -725,7 +730,7 @@
           <a:p>
             <a:fld id="{2EA69235-AFEE-412A-91EE-3C7814E4DF4F}" type="datetimeFigureOut">
               <a:rPr kumimoji="1" lang="ja-JP" altLang="en-US" smtClean="0"/>
-              <a:t>2026/2/4</a:t>
+              <a:t>2026/2/13</a:t>
             </a:fld>
             <a:endParaRPr kumimoji="1" lang="ja-JP" altLang="en-US"/>
           </a:p>
@@ -955,7 +960,7 @@
           <a:p>
             <a:fld id="{2EA69235-AFEE-412A-91EE-3C7814E4DF4F}" type="datetimeFigureOut">
               <a:rPr kumimoji="1" lang="ja-JP" altLang="en-US" smtClean="0"/>
-              <a:t>2026/2/4</a:t>
+              <a:t>2026/2/13</a:t>
             </a:fld>
             <a:endParaRPr kumimoji="1" lang="ja-JP" altLang="en-US"/>
           </a:p>
@@ -1230,7 +1235,7 @@
           <a:p>
             <a:fld id="{2EA69235-AFEE-412A-91EE-3C7814E4DF4F}" type="datetimeFigureOut">
               <a:rPr kumimoji="1" lang="ja-JP" altLang="en-US" smtClean="0"/>
-              <a:t>2026/2/4</a:t>
+              <a:t>2026/2/13</a:t>
             </a:fld>
             <a:endParaRPr kumimoji="1" lang="ja-JP" altLang="en-US"/>
           </a:p>
@@ -1559,7 +1564,7 @@
           <a:p>
             <a:fld id="{2EA69235-AFEE-412A-91EE-3C7814E4DF4F}" type="datetimeFigureOut">
               <a:rPr kumimoji="1" lang="ja-JP" altLang="en-US" smtClean="0"/>
-              <a:t>2026/2/4</a:t>
+              <a:t>2026/2/13</a:t>
             </a:fld>
             <a:endParaRPr kumimoji="1" lang="ja-JP" altLang="en-US"/>
           </a:p>
@@ -2035,7 +2040,7 @@
           <a:p>
             <a:fld id="{2EA69235-AFEE-412A-91EE-3C7814E4DF4F}" type="datetimeFigureOut">
               <a:rPr kumimoji="1" lang="ja-JP" altLang="en-US" smtClean="0"/>
-              <a:t>2026/2/4</a:t>
+              <a:t>2026/2/13</a:t>
             </a:fld>
             <a:endParaRPr kumimoji="1" lang="ja-JP" altLang="en-US"/>
           </a:p>
@@ -2176,7 +2181,7 @@
           <a:p>
             <a:fld id="{2EA69235-AFEE-412A-91EE-3C7814E4DF4F}" type="datetimeFigureOut">
               <a:rPr kumimoji="1" lang="ja-JP" altLang="en-US" smtClean="0"/>
-              <a:t>2026/2/4</a:t>
+              <a:t>2026/2/13</a:t>
             </a:fld>
             <a:endParaRPr kumimoji="1" lang="ja-JP" altLang="en-US"/>
           </a:p>
@@ -2289,7 +2294,7 @@
           <a:p>
             <a:fld id="{2EA69235-AFEE-412A-91EE-3C7814E4DF4F}" type="datetimeFigureOut">
               <a:rPr kumimoji="1" lang="ja-JP" altLang="en-US" smtClean="0"/>
-              <a:t>2026/2/4</a:t>
+              <a:t>2026/2/13</a:t>
             </a:fld>
             <a:endParaRPr kumimoji="1" lang="ja-JP" altLang="en-US"/>
           </a:p>
@@ -2632,7 +2637,7 @@
           <a:p>
             <a:fld id="{2EA69235-AFEE-412A-91EE-3C7814E4DF4F}" type="datetimeFigureOut">
               <a:rPr kumimoji="1" lang="ja-JP" altLang="en-US" smtClean="0"/>
-              <a:t>2026/2/4</a:t>
+              <a:t>2026/2/13</a:t>
             </a:fld>
             <a:endParaRPr kumimoji="1" lang="ja-JP" altLang="en-US"/>
           </a:p>
@@ -2920,7 +2925,7 @@
           <a:p>
             <a:fld id="{2EA69235-AFEE-412A-91EE-3C7814E4DF4F}" type="datetimeFigureOut">
               <a:rPr kumimoji="1" lang="ja-JP" altLang="en-US" smtClean="0"/>
-              <a:t>2026/2/4</a:t>
+              <a:t>2026/2/13</a:t>
             </a:fld>
             <a:endParaRPr kumimoji="1" lang="ja-JP" altLang="en-US"/>
           </a:p>
@@ -3193,7 +3198,7 @@
           <a:p>
             <a:fld id="{2EA69235-AFEE-412A-91EE-3C7814E4DF4F}" type="datetimeFigureOut">
               <a:rPr kumimoji="1" lang="ja-JP" altLang="en-US" smtClean="0"/>
-              <a:t>2026/2/4</a:t>
+              <a:t>2026/2/13</a:t>
             </a:fld>
             <a:endParaRPr kumimoji="1" lang="ja-JP" altLang="en-US"/>
           </a:p>
@@ -3660,7 +3665,7 @@
         <p:spPr>
           <a:xfrm>
             <a:off x="618067" y="863600"/>
-            <a:ext cx="10761133" cy="1754326"/>
+            <a:ext cx="10761133" cy="1477328"/>
           </a:xfrm>
           <a:prstGeom prst="rect">
             <a:avLst/>
@@ -3681,14 +3686,7 @@
               <a:rPr kumimoji="1" lang="ja-JP" altLang="en-US" dirty="0"/>
               <a:t>随時追加</a:t>
             </a:r>
-            <a:endParaRPr kumimoji="1" lang="en-US" altLang="ja-JP" dirty="0"/>
-          </a:p>
-          <a:p>
-            <a:r>
-              <a:rPr lang="ja-JP" altLang="en-US" dirty="0"/>
-              <a:t>・強制スクロール</a:t>
-            </a:r>
-            <a:endParaRPr kumimoji="1" lang="en-US" altLang="ja-JP" dirty="0"/>
+            <a:endParaRPr lang="en-US" altLang="ja-JP" dirty="0"/>
           </a:p>
           <a:p>
             <a:r>
@@ -3828,7 +3826,7 @@
           <p:nvPr>
             <p:extLst>
               <p:ext uri="{D42A27DB-BD31-4B8C-83A1-F6EECF244321}">
-                <p14:modId xmlns:p14="http://schemas.microsoft.com/office/powerpoint/2010/main" val="4097338926"/>
+                <p14:modId xmlns:p14="http://schemas.microsoft.com/office/powerpoint/2010/main" val="4211512702"/>
               </p:ext>
             </p:extLst>
           </p:nvPr>
@@ -3980,7 +3978,7 @@
                     <a:p>
                       <a:r>
                         <a:rPr kumimoji="1" lang="en-US" altLang="ja-JP" dirty="0"/>
-                        <a:t>LT, LB</a:t>
+                        <a:t>A</a:t>
                       </a:r>
                       <a:endParaRPr kumimoji="1" lang="ja-JP" altLang="en-US" dirty="0"/>
                     </a:p>
@@ -4014,7 +4012,7 @@
                     <a:p>
                       <a:r>
                         <a:rPr kumimoji="1" lang="en-US" altLang="ja-JP" dirty="0"/>
-                        <a:t>SPACE</a:t>
+                        <a:t>SHIFT</a:t>
                       </a:r>
                       <a:endParaRPr kumimoji="1" lang="ja-JP" altLang="en-US" dirty="0"/>
                     </a:p>
@@ -4028,7 +4026,7 @@
                     <a:p>
                       <a:r>
                         <a:rPr kumimoji="1" lang="en-US" altLang="ja-JP" dirty="0"/>
-                        <a:t>RT, RB</a:t>
+                        <a:t>B</a:t>
                       </a:r>
                       <a:endParaRPr kumimoji="1" lang="ja-JP" altLang="en-US" dirty="0"/>
                     </a:p>

--- a/ゲーム制作課題「Breaking_UP」/仕様書/プレイヤーとゲームルール.pptx
+++ b/ゲーム制作課題「Breaking_UP」/仕様書/プレイヤーとゲームルール.pptx
@@ -3826,7 +3826,7 @@
           <p:nvPr>
             <p:extLst>
               <p:ext uri="{D42A27DB-BD31-4B8C-83A1-F6EECF244321}">
-                <p14:modId xmlns:p14="http://schemas.microsoft.com/office/powerpoint/2010/main" val="4211512702"/>
+                <p14:modId xmlns:p14="http://schemas.microsoft.com/office/powerpoint/2010/main" val="3973429557"/>
               </p:ext>
             </p:extLst>
           </p:nvPr>
@@ -4012,7 +4012,7 @@
                     <a:p>
                       <a:r>
                         <a:rPr kumimoji="1" lang="en-US" altLang="ja-JP" dirty="0"/>
-                        <a:t>SHIFT</a:t>
+                        <a:t>SPACE</a:t>
                       </a:r>
                       <a:endParaRPr kumimoji="1" lang="ja-JP" altLang="en-US" dirty="0"/>
                     </a:p>

--- a/ゲーム制作課題「Breaking_UP」/仕様書/プレイヤーとゲームルール.pptx
+++ b/ゲーム制作課題「Breaking_UP」/仕様書/プレイヤーとゲームルール.pptx
@@ -260,7 +260,7 @@
           <a:p>
             <a:fld id="{2EA69235-AFEE-412A-91EE-3C7814E4DF4F}" type="datetimeFigureOut">
               <a:rPr kumimoji="1" lang="ja-JP" altLang="en-US" smtClean="0"/>
-              <a:t>2026/2/13</a:t>
+              <a:t>2026/2/18</a:t>
             </a:fld>
             <a:endParaRPr kumimoji="1" lang="ja-JP" altLang="en-US"/>
           </a:p>
@@ -490,7 +490,7 @@
           <a:p>
             <a:fld id="{2EA69235-AFEE-412A-91EE-3C7814E4DF4F}" type="datetimeFigureOut">
               <a:rPr kumimoji="1" lang="ja-JP" altLang="en-US" smtClean="0"/>
-              <a:t>2026/2/13</a:t>
+              <a:t>2026/2/18</a:t>
             </a:fld>
             <a:endParaRPr kumimoji="1" lang="ja-JP" altLang="en-US"/>
           </a:p>
@@ -730,7 +730,7 @@
           <a:p>
             <a:fld id="{2EA69235-AFEE-412A-91EE-3C7814E4DF4F}" type="datetimeFigureOut">
               <a:rPr kumimoji="1" lang="ja-JP" altLang="en-US" smtClean="0"/>
-              <a:t>2026/2/13</a:t>
+              <a:t>2026/2/18</a:t>
             </a:fld>
             <a:endParaRPr kumimoji="1" lang="ja-JP" altLang="en-US"/>
           </a:p>
@@ -960,7 +960,7 @@
           <a:p>
             <a:fld id="{2EA69235-AFEE-412A-91EE-3C7814E4DF4F}" type="datetimeFigureOut">
               <a:rPr kumimoji="1" lang="ja-JP" altLang="en-US" smtClean="0"/>
-              <a:t>2026/2/13</a:t>
+              <a:t>2026/2/18</a:t>
             </a:fld>
             <a:endParaRPr kumimoji="1" lang="ja-JP" altLang="en-US"/>
           </a:p>
@@ -1235,7 +1235,7 @@
           <a:p>
             <a:fld id="{2EA69235-AFEE-412A-91EE-3C7814E4DF4F}" type="datetimeFigureOut">
               <a:rPr kumimoji="1" lang="ja-JP" altLang="en-US" smtClean="0"/>
-              <a:t>2026/2/13</a:t>
+              <a:t>2026/2/18</a:t>
             </a:fld>
             <a:endParaRPr kumimoji="1" lang="ja-JP" altLang="en-US"/>
           </a:p>
@@ -1564,7 +1564,7 @@
           <a:p>
             <a:fld id="{2EA69235-AFEE-412A-91EE-3C7814E4DF4F}" type="datetimeFigureOut">
               <a:rPr kumimoji="1" lang="ja-JP" altLang="en-US" smtClean="0"/>
-              <a:t>2026/2/13</a:t>
+              <a:t>2026/2/18</a:t>
             </a:fld>
             <a:endParaRPr kumimoji="1" lang="ja-JP" altLang="en-US"/>
           </a:p>
@@ -2040,7 +2040,7 @@
           <a:p>
             <a:fld id="{2EA69235-AFEE-412A-91EE-3C7814E4DF4F}" type="datetimeFigureOut">
               <a:rPr kumimoji="1" lang="ja-JP" altLang="en-US" smtClean="0"/>
-              <a:t>2026/2/13</a:t>
+              <a:t>2026/2/18</a:t>
             </a:fld>
             <a:endParaRPr kumimoji="1" lang="ja-JP" altLang="en-US"/>
           </a:p>
@@ -2181,7 +2181,7 @@
           <a:p>
             <a:fld id="{2EA69235-AFEE-412A-91EE-3C7814E4DF4F}" type="datetimeFigureOut">
               <a:rPr kumimoji="1" lang="ja-JP" altLang="en-US" smtClean="0"/>
-              <a:t>2026/2/13</a:t>
+              <a:t>2026/2/18</a:t>
             </a:fld>
             <a:endParaRPr kumimoji="1" lang="ja-JP" altLang="en-US"/>
           </a:p>
@@ -2294,7 +2294,7 @@
           <a:p>
             <a:fld id="{2EA69235-AFEE-412A-91EE-3C7814E4DF4F}" type="datetimeFigureOut">
               <a:rPr kumimoji="1" lang="ja-JP" altLang="en-US" smtClean="0"/>
-              <a:t>2026/2/13</a:t>
+              <a:t>2026/2/18</a:t>
             </a:fld>
             <a:endParaRPr kumimoji="1" lang="ja-JP" altLang="en-US"/>
           </a:p>
@@ -2637,7 +2637,7 @@
           <a:p>
             <a:fld id="{2EA69235-AFEE-412A-91EE-3C7814E4DF4F}" type="datetimeFigureOut">
               <a:rPr kumimoji="1" lang="ja-JP" altLang="en-US" smtClean="0"/>
-              <a:t>2026/2/13</a:t>
+              <a:t>2026/2/18</a:t>
             </a:fld>
             <a:endParaRPr kumimoji="1" lang="ja-JP" altLang="en-US"/>
           </a:p>
@@ -2925,7 +2925,7 @@
           <a:p>
             <a:fld id="{2EA69235-AFEE-412A-91EE-3C7814E4DF4F}" type="datetimeFigureOut">
               <a:rPr kumimoji="1" lang="ja-JP" altLang="en-US" smtClean="0"/>
-              <a:t>2026/2/13</a:t>
+              <a:t>2026/2/18</a:t>
             </a:fld>
             <a:endParaRPr kumimoji="1" lang="ja-JP" altLang="en-US"/>
           </a:p>
@@ -3198,7 +3198,7 @@
           <a:p>
             <a:fld id="{2EA69235-AFEE-412A-91EE-3C7814E4DF4F}" type="datetimeFigureOut">
               <a:rPr kumimoji="1" lang="ja-JP" altLang="en-US" smtClean="0"/>
-              <a:t>2026/2/13</a:t>
+              <a:t>2026/2/18</a:t>
             </a:fld>
             <a:endParaRPr kumimoji="1" lang="ja-JP" altLang="en-US"/>
           </a:p>
@@ -3826,14 +3826,14 @@
           <p:nvPr>
             <p:extLst>
               <p:ext uri="{D42A27DB-BD31-4B8C-83A1-F6EECF244321}">
-                <p14:modId xmlns:p14="http://schemas.microsoft.com/office/powerpoint/2010/main" val="3973429557"/>
+                <p14:modId xmlns:p14="http://schemas.microsoft.com/office/powerpoint/2010/main" val="2914046826"/>
               </p:ext>
             </p:extLst>
           </p:nvPr>
         </p:nvGraphicFramePr>
         <p:xfrm>
           <a:off x="491064" y="1454573"/>
-          <a:ext cx="10924435" cy="1828800"/>
+          <a:ext cx="10924435" cy="2194560"/>
         </p:xfrm>
         <a:graphic>
           <a:graphicData uri="http://schemas.openxmlformats.org/drawingml/2006/table">
@@ -4112,6 +4112,54 @@
                 <a:extLst>
                   <a:ext uri="{0D108BD9-81ED-4DB2-BD59-A6C34878D82A}">
                     <a16:rowId xmlns:a16="http://schemas.microsoft.com/office/drawing/2014/main" val="729304794"/>
+                  </a:ext>
+                </a:extLst>
+              </a:tr>
+              <a:tr h="323003">
+                <a:tc>
+                  <a:txBody>
+                    <a:bodyPr/>
+                    <a:lstStyle/>
+                    <a:p>
+                      <a:r>
+                        <a:rPr kumimoji="1" lang="en-US" altLang="ja-JP" dirty="0"/>
+                        <a:t>X</a:t>
+                      </a:r>
+                    </a:p>
+                  </a:txBody>
+                  <a:tcPr/>
+                </a:tc>
+                <a:tc>
+                  <a:txBody>
+                    <a:bodyPr/>
+                    <a:lstStyle/>
+                    <a:p>
+                      <a:r>
+                        <a:rPr kumimoji="1" lang="en-US" altLang="ja-JP" dirty="0"/>
+                        <a:t>X</a:t>
+                      </a:r>
+                      <a:endParaRPr kumimoji="1" lang="ja-JP" altLang="en-US" dirty="0"/>
+                    </a:p>
+                  </a:txBody>
+                  <a:tcPr/>
+                </a:tc>
+                <a:tc>
+                  <a:txBody>
+                    <a:bodyPr/>
+                    <a:lstStyle/>
+                    <a:p>
+                      <a:r>
+                        <a:rPr kumimoji="1" lang="ja-JP" altLang="en-US" dirty="0"/>
+                        <a:t>ダッシュ</a:t>
+                      </a:r>
+                      <a:endParaRPr kumimoji="1" lang="en-US" altLang="ja-JP" dirty="0"/>
+                    </a:p>
+                  </a:txBody>
+                  <a:tcPr/>
+                </a:tc>
+                <a:extLst>
+                  <a:ext uri="{0D108BD9-81ED-4DB2-BD59-A6C34878D82A}">
+                    <a16:rowId xmlns:a16="http://schemas.microsoft.com/office/drawing/2014/main" val="682939049"/>
                   </a:ext>
                 </a:extLst>
               </a:tr>
